--- a/doc/Презентация.pptx
+++ b/doc/Презентация.pptx
@@ -7055,13 +7055,41 @@
               <a:t>-сервиса </a:t>
             </a:r>
             <a:r>
-              <a:rPr lang="en-US" sz="2400" dirty="0" smtClean="0"/>
+              <a:rPr lang="ru-RU" sz="2400" smtClean="0"/>
+              <a:t>для работы </a:t>
+            </a:r>
+            <a:r>
+              <a:rPr lang="en-US" sz="2400" smtClean="0"/>
               <a:t>web-</a:t>
             </a:r>
             <a:r>
               <a:rPr lang="ru-RU" sz="2400" dirty="0" smtClean="0"/>
               <a:t>интерфейса</a:t>
             </a:r>
+            <a:endParaRPr lang="en-US" sz="2400" dirty="0" smtClean="0"/>
+          </a:p>
+          <a:p>
+            <a:r>
+              <a:rPr lang="ru-RU" sz="2400" dirty="0" smtClean="0"/>
+              <a:t>В качестве оркестратора можно использовать </a:t>
+            </a:r>
+            <a:r>
+              <a:rPr lang="en-US" sz="2400" b="1" u="sng" dirty="0" err="1" smtClean="0"/>
+              <a:t>cron</a:t>
+            </a:r>
+            <a:r>
+              <a:rPr lang="en-US" sz="2400" dirty="0" smtClean="0"/>
+              <a:t> </a:t>
+            </a:r>
+            <a:r>
+              <a:rPr lang="ru-RU" sz="2400" dirty="0" smtClean="0"/>
+              <a:t>или </a:t>
+            </a:r>
+            <a:r>
+              <a:rPr lang="en-US" sz="2400" b="1" u="sng" dirty="0" err="1" smtClean="0"/>
+              <a:t>anacron</a:t>
+            </a:r>
+            <a:endParaRPr lang="ru-RU" sz="2400" b="1" u="sng" dirty="0" smtClean="0"/>
           </a:p>
         </p:txBody>
       </p:sp>
@@ -7358,11 +7386,7 @@
           <a:p>
             <a:r>
               <a:rPr lang="ru-RU" dirty="0" smtClean="0"/>
-              <a:t>Структура </a:t>
-            </a:r>
-            <a:r>
-              <a:rPr lang="ru-RU" dirty="0" smtClean="0"/>
-              <a:t>данных</a:t>
+              <a:t>Структура данных</a:t>
             </a:r>
             <a:endParaRPr lang="ru-RU" dirty="0"/>
           </a:p>
@@ -13990,14 +14014,6 @@
 </file>
 
 <file path=customXml/item1.xml><?xml version="1.0" encoding="utf-8"?>
-<p:properties xmlns:p="http://schemas.microsoft.com/office/2006/metadata/properties" xmlns:xsi="http://www.w3.org/2001/XMLSchema-instance" xmlns:pc="http://schemas.microsoft.com/office/infopath/2007/PartnerControls">
-  <documentManagement>
-    <MediaServiceKeyPoints xmlns="71af3243-3dd4-4a8d-8c0d-dd76da1f02a5" xsi:nil="true"/>
-  </documentManagement>
-</p:properties>
-</file>
-
-<file path=customXml/item2.xml><?xml version="1.0" encoding="utf-8"?>
 <ct:contentTypeSchema xmlns:ct="http://schemas.microsoft.com/office/2006/metadata/contentType" xmlns:ma="http://schemas.microsoft.com/office/2006/metadata/properties/metaAttributes" ct:_="" ma:_="" ma:contentTypeName="Document" ma:contentTypeID="0x01010079F111ED35F8CC479449609E8A0923A6" ma:contentTypeVersion="11" ma:contentTypeDescription="Create a new document." ma:contentTypeScope="" ma:versionID="1c2eb7a32e66fb6e4260f3771546a5e2">
   <xsd:schema xmlns:xsd="http://www.w3.org/2001/XMLSchema" xmlns:xs="http://www.w3.org/2001/XMLSchema" xmlns:p="http://schemas.microsoft.com/office/2006/metadata/properties" xmlns:ns2="71af3243-3dd4-4a8d-8c0d-dd76da1f02a5" xmlns:ns3="16c05727-aa75-4e4a-9b5f-8a80a1165891" targetNamespace="http://schemas.microsoft.com/office/2006/metadata/properties" ma:root="true" ma:fieldsID="04e1f6479c48b08974ba73b5ca973489" ns2:_="" ns3:_="">
     <xsd:import namespace="71af3243-3dd4-4a8d-8c0d-dd76da1f02a5"/>
@@ -14208,6 +14224,14 @@
 </ct:contentTypeSchema>
 </file>
 
+<file path=customXml/item2.xml><?xml version="1.0" encoding="utf-8"?>
+<p:properties xmlns:p="http://schemas.microsoft.com/office/2006/metadata/properties" xmlns:xsi="http://www.w3.org/2001/XMLSchema-instance" xmlns:pc="http://schemas.microsoft.com/office/infopath/2007/PartnerControls">
+  <documentManagement>
+    <MediaServiceKeyPoints xmlns="71af3243-3dd4-4a8d-8c0d-dd76da1f02a5" xsi:nil="true"/>
+  </documentManagement>
+</p:properties>
+</file>
+
 <file path=customXml/item3.xml><?xml version="1.0" encoding="utf-8"?>
 <?mso-contentType ?>
 <FormTemplates xmlns="http://schemas.microsoft.com/sharepoint/v3/contenttype/forms">
@@ -14218,16 +14242,6 @@
 </file>
 
 <file path=customXml/itemProps1.xml><?xml version="1.0" encoding="utf-8"?>
-<ds:datastoreItem xmlns:ds="http://schemas.openxmlformats.org/officeDocument/2006/customXml" ds:itemID="{B85274BF-C111-4B7A-8D90-F7666D37C131}">
-  <ds:schemaRefs>
-    <ds:schemaRef ds:uri="http://schemas.microsoft.com/office/2006/metadata/properties"/>
-    <ds:schemaRef ds:uri="http://schemas.microsoft.com/office/infopath/2007/PartnerControls"/>
-    <ds:schemaRef ds:uri="71af3243-3dd4-4a8d-8c0d-dd76da1f02a5"/>
-  </ds:schemaRefs>
-</ds:datastoreItem>
-</file>
-
-<file path=customXml/itemProps2.xml><?xml version="1.0" encoding="utf-8"?>
 <ds:datastoreItem xmlns:ds="http://schemas.openxmlformats.org/officeDocument/2006/customXml" ds:itemID="{9310845B-7F19-4A9A-BEE4-BEF0501E1A55}">
   <ds:schemaRefs>
     <ds:schemaRef ds:uri="http://schemas.microsoft.com/office/2006/metadata/contentType"/>
@@ -14246,6 +14260,16 @@
 </ds:datastoreItem>
 </file>
 
+<file path=customXml/itemProps2.xml><?xml version="1.0" encoding="utf-8"?>
+<ds:datastoreItem xmlns:ds="http://schemas.openxmlformats.org/officeDocument/2006/customXml" ds:itemID="{B85274BF-C111-4B7A-8D90-F7666D37C131}">
+  <ds:schemaRefs>
+    <ds:schemaRef ds:uri="http://schemas.microsoft.com/office/2006/metadata/properties"/>
+    <ds:schemaRef ds:uri="http://schemas.microsoft.com/office/infopath/2007/PartnerControls"/>
+    <ds:schemaRef ds:uri="71af3243-3dd4-4a8d-8c0d-dd76da1f02a5"/>
+  </ds:schemaRefs>
+</ds:datastoreItem>
+</file>
+
 <file path=customXml/itemProps3.xml><?xml version="1.0" encoding="utf-8"?>
 <ds:datastoreItem xmlns:ds="http://schemas.openxmlformats.org/officeDocument/2006/customXml" ds:itemID="{E0F1DF1E-36E3-406C-8CF7-DB13BB647087}">
   <ds:schemaRefs>

--- a/doc/Презентация.pptx
+++ b/doc/Презентация.pptx
@@ -239,7 +239,7 @@
           <a:p>
             <a:fld id="{E4AD0D56-D190-4F12-97EB-E600DA2C7AC1}" type="datetime1">
               <a:rPr lang="ru-RU" smtClean="0"/>
-              <a:t>19.12.2022</a:t>
+              <a:t>20.12.2022</a:t>
             </a:fld>
             <a:endParaRPr lang="ru-RU" dirty="0"/>
           </a:p>
@@ -417,7 +417,7 @@
             <a:fld id="{F8EFA3FA-379F-46C9-AE88-86CC6AC3C65B}" type="datetime1">
               <a:rPr lang="ru-RU" smtClean="0"/>
               <a:pPr/>
-              <a:t>19.12.2022</a:t>
+              <a:t>20.12.2022</a:t>
             </a:fld>
             <a:endParaRPr lang="ru-RU" dirty="0"/>
           </a:p>
@@ -1168,7 +1168,7 @@
             <a:pPr rtl="0"/>
             <a:fld id="{C1D05881-E268-4858-B78D-B33984B254C5}" type="datetime1">
               <a:rPr lang="ru-RU" noProof="0" smtClean="0"/>
-              <a:t>19.12.2022</a:t>
+              <a:t>20.12.2022</a:t>
             </a:fld>
             <a:endParaRPr lang="ru-RU" noProof="0"/>
           </a:p>
@@ -1507,7 +1507,7 @@
             <a:pPr rtl="0"/>
             <a:fld id="{C1DDB940-01DC-4AC5-8216-0A8C71B32B7E}" type="datetime1">
               <a:rPr lang="ru-RU" noProof="0" smtClean="0"/>
-              <a:t>19.12.2022</a:t>
+              <a:t>20.12.2022</a:t>
             </a:fld>
             <a:endParaRPr lang="ru-RU" noProof="0"/>
           </a:p>
@@ -1790,7 +1790,7 @@
             <a:pPr rtl="0"/>
             <a:fld id="{43F037D2-0595-4316-AE6C-7072C108D198}" type="datetime1">
               <a:rPr lang="ru-RU" noProof="0" smtClean="0"/>
-              <a:t>19.12.2022</a:t>
+              <a:t>20.12.2022</a:t>
             </a:fld>
             <a:endParaRPr lang="ru-RU" noProof="0"/>
           </a:p>
@@ -2363,7 +2363,7 @@
             <a:pPr rtl="0"/>
             <a:fld id="{525B1558-9646-4A23-9775-8BBFAB3F173C}" type="datetime1">
               <a:rPr lang="ru-RU" noProof="0" smtClean="0"/>
-              <a:t>19.12.2022</a:t>
+              <a:t>20.12.2022</a:t>
             </a:fld>
             <a:endParaRPr lang="ru-RU" noProof="0"/>
           </a:p>
@@ -2646,7 +2646,7 @@
             <a:pPr rtl="0"/>
             <a:fld id="{3BD4D917-35DA-4BED-B3A7-8A3163C0AA32}" type="datetime1">
               <a:rPr lang="ru-RU" noProof="0" smtClean="0"/>
-              <a:t>19.12.2022</a:t>
+              <a:t>20.12.2022</a:t>
             </a:fld>
             <a:endParaRPr lang="ru-RU" noProof="0"/>
           </a:p>
@@ -3213,7 +3213,7 @@
             <a:pPr rtl="0"/>
             <a:fld id="{D95FCF15-9560-4A96-9174-05821032194E}" type="datetime1">
               <a:rPr lang="ru-RU" noProof="0" smtClean="0"/>
-              <a:t>19.12.2022</a:t>
+              <a:t>20.12.2022</a:t>
             </a:fld>
             <a:endParaRPr lang="ru-RU" noProof="0"/>
           </a:p>
@@ -3544,7 +3544,7 @@
             <a:pPr rtl="0"/>
             <a:fld id="{75027AD8-4FCC-482E-8268-5A80B4208CCB}" type="datetime1">
               <a:rPr lang="ru-RU" noProof="0" smtClean="0"/>
-              <a:t>19.12.2022</a:t>
+              <a:t>20.12.2022</a:t>
             </a:fld>
             <a:endParaRPr lang="ru-RU" noProof="0"/>
           </a:p>
@@ -3754,7 +3754,7 @@
             <a:pPr rtl="0"/>
             <a:fld id="{AA2AEB38-7064-4DDA-A0B1-3ACB4459D355}" type="datetime1">
               <a:rPr lang="ru-RU" noProof="0" smtClean="0"/>
-              <a:t>19.12.2022</a:t>
+              <a:t>20.12.2022</a:t>
             </a:fld>
             <a:endParaRPr lang="ru-RU" noProof="0"/>
           </a:p>
@@ -3968,7 +3968,7 @@
             <a:pPr rtl="0"/>
             <a:fld id="{C3E4C558-0B9A-4639-AFB8-A7352334CC2A}" type="datetime1">
               <a:rPr lang="ru-RU" noProof="0" smtClean="0"/>
-              <a:t>19.12.2022</a:t>
+              <a:t>20.12.2022</a:t>
             </a:fld>
             <a:endParaRPr lang="ru-RU" noProof="0"/>
           </a:p>
@@ -4172,7 +4172,7 @@
             <a:pPr rtl="0"/>
             <a:fld id="{AE0C9481-8FC4-47B7-A3E3-75EF16199800}" type="datetime1">
               <a:rPr lang="ru-RU" noProof="0" smtClean="0"/>
-              <a:t>19.12.2022</a:t>
+              <a:t>20.12.2022</a:t>
             </a:fld>
             <a:endParaRPr lang="ru-RU" noProof="0"/>
           </a:p>
@@ -4452,7 +4452,7 @@
             <a:pPr rtl="0"/>
             <a:fld id="{27233BFC-8063-40D9-ACA4-B9FC6D08CAAA}" type="datetime1">
               <a:rPr lang="ru-RU" noProof="0" smtClean="0"/>
-              <a:t>19.12.2022</a:t>
+              <a:t>20.12.2022</a:t>
             </a:fld>
             <a:endParaRPr lang="ru-RU" noProof="0"/>
           </a:p>
@@ -4723,7 +4723,7 @@
             <a:pPr rtl="0"/>
             <a:fld id="{EBBADB98-46CF-4CE0-BC14-FB6BCDEC249F}" type="datetime1">
               <a:rPr lang="ru-RU" noProof="0" smtClean="0"/>
-              <a:t>19.12.2022</a:t>
+              <a:t>20.12.2022</a:t>
             </a:fld>
             <a:endParaRPr lang="ru-RU" noProof="0"/>
           </a:p>
@@ -5101,7 +5101,7 @@
             <a:pPr rtl="0"/>
             <a:fld id="{0BD0744F-F4FD-4F94-9584-19B3ACF6B677}" type="datetime1">
               <a:rPr lang="ru-RU" noProof="0" smtClean="0"/>
-              <a:t>19.12.2022</a:t>
+              <a:t>20.12.2022</a:t>
             </a:fld>
             <a:endParaRPr lang="ru-RU" noProof="0"/>
           </a:p>
@@ -5253,7 +5253,7 @@
             <a:pPr rtl="0"/>
             <a:fld id="{E33D8A4C-A50F-442F-AE56-916345D8E8D0}" type="datetime1">
               <a:rPr lang="ru-RU" noProof="0" smtClean="0"/>
-              <a:t>19.12.2022</a:t>
+              <a:t>20.12.2022</a:t>
             </a:fld>
             <a:endParaRPr lang="ru-RU" noProof="0"/>
           </a:p>
@@ -5381,7 +5381,7 @@
             <a:pPr rtl="0"/>
             <a:fld id="{4F7CE878-2078-4425-A27B-6F5802C286F2}" type="datetime1">
               <a:rPr lang="ru-RU" noProof="0" smtClean="0"/>
-              <a:t>19.12.2022</a:t>
+              <a:t>20.12.2022</a:t>
             </a:fld>
             <a:endParaRPr lang="ru-RU" noProof="0"/>
           </a:p>
@@ -5670,7 +5670,7 @@
             <a:pPr rtl="0"/>
             <a:fld id="{5E370006-E2FC-4766-A7E1-5F779DBE0517}" type="datetime1">
               <a:rPr lang="ru-RU" noProof="0" smtClean="0"/>
-              <a:t>19.12.2022</a:t>
+              <a:t>20.12.2022</a:t>
             </a:fld>
             <a:endParaRPr lang="ru-RU" noProof="0"/>
           </a:p>
@@ -5999,7 +5999,7 @@
             <a:pPr rtl="0"/>
             <a:fld id="{2A7969C3-6696-41A6-A4FB-6F19D5FF6035}" type="datetime1">
               <a:rPr lang="ru-RU" noProof="0" smtClean="0"/>
-              <a:t>19.12.2022</a:t>
+              <a:t>20.12.2022</a:t>
             </a:fld>
             <a:endParaRPr lang="ru-RU" noProof="0"/>
           </a:p>
@@ -6216,7 +6216,7 @@
             <a:pPr rtl="0"/>
             <a:fld id="{485A63DF-07C7-4145-B820-6EFEA62A3C4D}" type="datetime1">
               <a:rPr lang="ru-RU" noProof="0" smtClean="0"/>
-              <a:t>19.12.2022</a:t>
+              <a:t>20.12.2022</a:t>
             </a:fld>
             <a:endParaRPr lang="ru-RU" noProof="0"/>
           </a:p>
@@ -8421,7 +8421,17 @@
             </a:pPr>
             <a:r>
               <a:rPr lang="ru-RU" sz="2000" dirty="0" smtClean="0"/>
-              <a:t>На основании данных технологического журнала, который формируется кластером 1С:Предприятие 8.3 создать витрины, которые позволят разработчикам и </a:t>
+              <a:t>На основании данных </a:t>
+            </a:r>
+            <a:r>
+              <a:rPr lang="ru-RU" sz="2000" dirty="0" smtClean="0">
+                <a:hlinkClick r:id="rId3"/>
+              </a:rPr>
+              <a:t>технологического журнала</a:t>
+            </a:r>
+            <a:r>
+              <a:rPr lang="ru-RU" sz="2000" dirty="0" smtClean="0"/>
+              <a:t>, который формируется кластером 1С:Предприятие 8.3 создать витрины, которые позволят разработчикам и </a:t>
             </a:r>
             <a:r>
               <a:rPr lang="ru-RU" sz="2000" dirty="0" err="1" smtClean="0"/>
@@ -14014,6 +14024,14 @@
 </file>
 
 <file path=customXml/item1.xml><?xml version="1.0" encoding="utf-8"?>
+<p:properties xmlns:p="http://schemas.microsoft.com/office/2006/metadata/properties" xmlns:xsi="http://www.w3.org/2001/XMLSchema-instance" xmlns:pc="http://schemas.microsoft.com/office/infopath/2007/PartnerControls">
+  <documentManagement>
+    <MediaServiceKeyPoints xmlns="71af3243-3dd4-4a8d-8c0d-dd76da1f02a5" xsi:nil="true"/>
+  </documentManagement>
+</p:properties>
+</file>
+
+<file path=customXml/item2.xml><?xml version="1.0" encoding="utf-8"?>
 <ct:contentTypeSchema xmlns:ct="http://schemas.microsoft.com/office/2006/metadata/contentType" xmlns:ma="http://schemas.microsoft.com/office/2006/metadata/properties/metaAttributes" ct:_="" ma:_="" ma:contentTypeName="Document" ma:contentTypeID="0x01010079F111ED35F8CC479449609E8A0923A6" ma:contentTypeVersion="11" ma:contentTypeDescription="Create a new document." ma:contentTypeScope="" ma:versionID="1c2eb7a32e66fb6e4260f3771546a5e2">
   <xsd:schema xmlns:xsd="http://www.w3.org/2001/XMLSchema" xmlns:xs="http://www.w3.org/2001/XMLSchema" xmlns:p="http://schemas.microsoft.com/office/2006/metadata/properties" xmlns:ns2="71af3243-3dd4-4a8d-8c0d-dd76da1f02a5" xmlns:ns3="16c05727-aa75-4e4a-9b5f-8a80a1165891" targetNamespace="http://schemas.microsoft.com/office/2006/metadata/properties" ma:root="true" ma:fieldsID="04e1f6479c48b08974ba73b5ca973489" ns2:_="" ns3:_="">
     <xsd:import namespace="71af3243-3dd4-4a8d-8c0d-dd76da1f02a5"/>
@@ -14224,14 +14242,6 @@
 </ct:contentTypeSchema>
 </file>
 
-<file path=customXml/item2.xml><?xml version="1.0" encoding="utf-8"?>
-<p:properties xmlns:p="http://schemas.microsoft.com/office/2006/metadata/properties" xmlns:xsi="http://www.w3.org/2001/XMLSchema-instance" xmlns:pc="http://schemas.microsoft.com/office/infopath/2007/PartnerControls">
-  <documentManagement>
-    <MediaServiceKeyPoints xmlns="71af3243-3dd4-4a8d-8c0d-dd76da1f02a5" xsi:nil="true"/>
-  </documentManagement>
-</p:properties>
-</file>
-
 <file path=customXml/item3.xml><?xml version="1.0" encoding="utf-8"?>
 <?mso-contentType ?>
 <FormTemplates xmlns="http://schemas.microsoft.com/sharepoint/v3/contenttype/forms">
@@ -14242,6 +14252,16 @@
 </file>
 
 <file path=customXml/itemProps1.xml><?xml version="1.0" encoding="utf-8"?>
+<ds:datastoreItem xmlns:ds="http://schemas.openxmlformats.org/officeDocument/2006/customXml" ds:itemID="{B85274BF-C111-4B7A-8D90-F7666D37C131}">
+  <ds:schemaRefs>
+    <ds:schemaRef ds:uri="http://schemas.microsoft.com/office/2006/metadata/properties"/>
+    <ds:schemaRef ds:uri="http://schemas.microsoft.com/office/infopath/2007/PartnerControls"/>
+    <ds:schemaRef ds:uri="71af3243-3dd4-4a8d-8c0d-dd76da1f02a5"/>
+  </ds:schemaRefs>
+</ds:datastoreItem>
+</file>
+
+<file path=customXml/itemProps2.xml><?xml version="1.0" encoding="utf-8"?>
 <ds:datastoreItem xmlns:ds="http://schemas.openxmlformats.org/officeDocument/2006/customXml" ds:itemID="{9310845B-7F19-4A9A-BEE4-BEF0501E1A55}">
   <ds:schemaRefs>
     <ds:schemaRef ds:uri="http://schemas.microsoft.com/office/2006/metadata/contentType"/>
@@ -14260,16 +14280,6 @@
 </ds:datastoreItem>
 </file>
 
-<file path=customXml/itemProps2.xml><?xml version="1.0" encoding="utf-8"?>
-<ds:datastoreItem xmlns:ds="http://schemas.openxmlformats.org/officeDocument/2006/customXml" ds:itemID="{B85274BF-C111-4B7A-8D90-F7666D37C131}">
-  <ds:schemaRefs>
-    <ds:schemaRef ds:uri="http://schemas.microsoft.com/office/2006/metadata/properties"/>
-    <ds:schemaRef ds:uri="http://schemas.microsoft.com/office/infopath/2007/PartnerControls"/>
-    <ds:schemaRef ds:uri="71af3243-3dd4-4a8d-8c0d-dd76da1f02a5"/>
-  </ds:schemaRefs>
-</ds:datastoreItem>
-</file>
-
 <file path=customXml/itemProps3.xml><?xml version="1.0" encoding="utf-8"?>
 <ds:datastoreItem xmlns:ds="http://schemas.openxmlformats.org/officeDocument/2006/customXml" ds:itemID="{E0F1DF1E-36E3-406C-8CF7-DB13BB647087}">
   <ds:schemaRefs>
